--- a/[MISC]/Slides/[Final] Project First Presentation.pptx
+++ b/[MISC]/Slides/[Final] Project First Presentation.pptx
@@ -5,7 +5,7 @@
     <p:sldMasterId id="2147483696" r:id="rId1"/>
   </p:sldMasterIdLst>
   <p:notesMasterIdLst>
-    <p:notesMasterId r:id="rId44"/>
+    <p:notesMasterId r:id="rId46"/>
   </p:notesMasterIdLst>
   <p:sldIdLst>
     <p:sldId id="329" r:id="rId2"/>
@@ -49,7 +49,9 @@
     <p:sldId id="340" r:id="rId40"/>
     <p:sldId id="346" r:id="rId41"/>
     <p:sldId id="347" r:id="rId42"/>
-    <p:sldId id="326" r:id="rId43"/>
+    <p:sldId id="348" r:id="rId43"/>
+    <p:sldId id="349" r:id="rId44"/>
+    <p:sldId id="326" r:id="rId45"/>
   </p:sldIdLst>
   <p:sldSz cx="12192000" cy="6858000"/>
   <p:notesSz cx="6858000" cy="9144000"/>
@@ -3674,7 +3676,7 @@
                     <a:srgbClr val="4B2E1D"/>
                   </a:solidFill>
                 </a:rPr>
-                <a:t>A Project Proposal Presentation On</a:t>
+                <a:t>A First Project Final Report On</a:t>
               </a:r>
             </a:p>
             <a:p>
@@ -25447,13 +25449,13 @@
   <p:clrMapOvr>
     <a:masterClrMapping/>
   </p:clrMapOvr>
-  <mc:AlternateContent xmlns:mc="http://schemas.openxmlformats.org/markup-compatibility/2006" xmlns:p159="http://schemas.microsoft.com/office/powerpoint/2015/09/main">
-    <mc:Choice Requires="p159">
-      <p:transition xmlns:p14="http://schemas.microsoft.com/office/powerpoint/2010/main" spd="slow" p14:dur="1200">
+  <mc:AlternateContent xmlns:mc="http://schemas.openxmlformats.org/markup-compatibility/2006">
+    <mc:Choice xmlns:p159="http://schemas.microsoft.com/office/powerpoint/2015/09/main" Requires="p159">
+      <p:transition xmlns:p14="http://schemas.microsoft.com/office/powerpoint/2010/main" spd="slow" p14:dur="1500">
         <p159:morph option="byObject"/>
       </p:transition>
     </mc:Choice>
-    <mc:Fallback xmlns="">
+    <mc:Fallback>
       <p:transition spd="slow">
         <p:fade/>
       </p:transition>
@@ -25639,6 +25641,122 @@
           </a:p>
         </p:txBody>
       </p:sp>
+      <p:pic>
+        <p:nvPicPr>
+          <p:cNvPr id="9" name="Picture 8">
+            <a:extLst>
+              <a:ext uri="{FF2B5EF4-FFF2-40B4-BE49-F238E27FC236}">
+                <a16:creationId xmlns:a16="http://schemas.microsoft.com/office/drawing/2014/main" id="{AAA2929A-D664-4E73-92D8-60B2AE67D33D}"/>
+              </a:ext>
+            </a:extLst>
+          </p:cNvPr>
+          <p:cNvPicPr>
+            <a:picLocks noChangeAspect="1"/>
+          </p:cNvPicPr>
+          <p:nvPr/>
+        </p:nvPicPr>
+        <p:blipFill>
+          <a:blip r:embed="rId4">
+            <a:extLst>
+              <a:ext uri="{28A0092B-C50C-407E-A947-70E740481C1C}">
+                <a14:useLocalDpi xmlns:a14="http://schemas.microsoft.com/office/drawing/2010/main" val="0"/>
+              </a:ext>
+            </a:extLst>
+          </a:blip>
+          <a:stretch>
+            <a:fillRect/>
+          </a:stretch>
+        </p:blipFill>
+        <p:spPr>
+          <a:xfrm>
+            <a:off x="17014772" y="1366838"/>
+            <a:ext cx="6304232" cy="4886325"/>
+          </a:xfrm>
+          <a:prstGeom prst="rect">
+            <a:avLst/>
+          </a:prstGeom>
+        </p:spPr>
+      </p:pic>
+      <p:sp>
+        <p:nvSpPr>
+          <p:cNvPr id="10" name="TextBox 9">
+            <a:extLst>
+              <a:ext uri="{FF2B5EF4-FFF2-40B4-BE49-F238E27FC236}">
+                <a16:creationId xmlns:a16="http://schemas.microsoft.com/office/drawing/2014/main" id="{E1261859-1A21-4E06-86CF-36C0D775029D}"/>
+              </a:ext>
+            </a:extLst>
+          </p:cNvPr>
+          <p:cNvSpPr txBox="1"/>
+          <p:nvPr/>
+        </p:nvSpPr>
+        <p:spPr>
+          <a:xfrm>
+            <a:off x="15289207" y="255657"/>
+            <a:ext cx="4892686" cy="707886"/>
+          </a:xfrm>
+          <a:prstGeom prst="rect">
+            <a:avLst/>
+          </a:prstGeom>
+          <a:noFill/>
+        </p:spPr>
+        <p:txBody>
+          <a:bodyPr wrap="none" rtlCol="0">
+            <a:spAutoFit/>
+          </a:bodyPr>
+          <a:lstStyle/>
+          <a:p>
+            <a:r>
+              <a:rPr lang="en-US" sz="4000" b="1" dirty="0">
+                <a:solidFill>
+                  <a:srgbClr val="000000"/>
+                </a:solidFill>
+                <a:latin typeface="+mj-lt"/>
+              </a:rPr>
+              <a:t>Data Flow Diagram</a:t>
+            </a:r>
+          </a:p>
+        </p:txBody>
+      </p:sp>
+      <p:sp>
+        <p:nvSpPr>
+          <p:cNvPr id="11" name="TextBox 10">
+            <a:extLst>
+              <a:ext uri="{FF2B5EF4-FFF2-40B4-BE49-F238E27FC236}">
+                <a16:creationId xmlns:a16="http://schemas.microsoft.com/office/drawing/2014/main" id="{E5692F61-63B7-4F92-9066-0FB6F85061EA}"/>
+              </a:ext>
+            </a:extLst>
+          </p:cNvPr>
+          <p:cNvSpPr txBox="1"/>
+          <p:nvPr/>
+        </p:nvSpPr>
+        <p:spPr>
+          <a:xfrm>
+            <a:off x="12986974" y="3365212"/>
+            <a:ext cx="2302233" cy="584775"/>
+          </a:xfrm>
+          <a:prstGeom prst="rect">
+            <a:avLst/>
+          </a:prstGeom>
+          <a:noFill/>
+        </p:spPr>
+        <p:txBody>
+          <a:bodyPr wrap="none" rtlCol="0">
+            <a:spAutoFit/>
+          </a:bodyPr>
+          <a:lstStyle/>
+          <a:p>
+            <a:r>
+              <a:rPr lang="en-US" sz="3200" b="1" dirty="0">
+                <a:solidFill>
+                  <a:srgbClr val="000000"/>
+                </a:solidFill>
+                <a:latin typeface="+mj-lt"/>
+              </a:rPr>
+              <a:t>For Patient</a:t>
+            </a:r>
+          </a:p>
+        </p:txBody>
+      </p:sp>
     </p:spTree>
     <p:extLst>
       <p:ext uri="{BB962C8B-B14F-4D97-AF65-F5344CB8AC3E}">
@@ -25649,13 +25767,13 @@
   <p:clrMapOvr>
     <a:masterClrMapping/>
   </p:clrMapOvr>
-  <mc:AlternateContent xmlns:mc="http://schemas.openxmlformats.org/markup-compatibility/2006" xmlns:p159="http://schemas.microsoft.com/office/powerpoint/2015/09/main">
-    <mc:Choice Requires="p159">
-      <p:transition xmlns:p14="http://schemas.microsoft.com/office/powerpoint/2010/main" spd="slow" p14:dur="1200">
+  <mc:AlternateContent xmlns:mc="http://schemas.openxmlformats.org/markup-compatibility/2006">
+    <mc:Choice xmlns:p159="http://schemas.microsoft.com/office/powerpoint/2015/09/main" Requires="p159">
+      <p:transition xmlns:p14="http://schemas.microsoft.com/office/powerpoint/2010/main" spd="slow" p14:dur="1500">
         <p159:morph option="byObject"/>
       </p:transition>
     </mc:Choice>
-    <mc:Fallback xmlns="">
+    <mc:Fallback>
       <p:transition spd="slow">
         <p:fade/>
       </p:transition>
@@ -25665,6 +25783,566 @@
 </file>
 
 <file path=ppt/slides/slide42.xml><?xml version="1.0" encoding="utf-8"?>
+<p:sld xmlns:a="http://schemas.openxmlformats.org/drawingml/2006/main" xmlns:r="http://schemas.openxmlformats.org/officeDocument/2006/relationships" xmlns:p="http://schemas.openxmlformats.org/presentationml/2006/main">
+  <p:cSld>
+    <p:bg>
+      <p:bgPr>
+        <a:solidFill>
+          <a:srgbClr val="FFFFFF"/>
+        </a:solidFill>
+        <a:effectLst/>
+      </p:bgPr>
+    </p:bg>
+    <p:spTree>
+      <p:nvGrpSpPr>
+        <p:cNvPr id="1" name=""/>
+        <p:cNvGrpSpPr/>
+        <p:nvPr/>
+      </p:nvGrpSpPr>
+      <p:grpSpPr>
+        <a:xfrm>
+          <a:off x="0" y="0"/>
+          <a:ext cx="0" cy="0"/>
+          <a:chOff x="0" y="0"/>
+          <a:chExt cx="0" cy="0"/>
+        </a:xfrm>
+      </p:grpSpPr>
+      <p:pic>
+        <p:nvPicPr>
+          <p:cNvPr id="21" name="Picture 20">
+            <a:extLst>
+              <a:ext uri="{FF2B5EF4-FFF2-40B4-BE49-F238E27FC236}">
+                <a16:creationId xmlns:a16="http://schemas.microsoft.com/office/drawing/2014/main" id="{CDE89ACD-F1EA-4F26-ADCE-DD2EA9042E8D}"/>
+              </a:ext>
+            </a:extLst>
+          </p:cNvPr>
+          <p:cNvPicPr>
+            <a:picLocks noChangeAspect="1"/>
+          </p:cNvPicPr>
+          <p:nvPr/>
+        </p:nvPicPr>
+        <p:blipFill>
+          <a:blip r:embed="rId2">
+            <a:extLst>
+              <a:ext uri="{28A0092B-C50C-407E-A947-70E740481C1C}">
+                <a14:useLocalDpi xmlns:a14="http://schemas.microsoft.com/office/drawing/2010/main" val="0"/>
+              </a:ext>
+            </a:extLst>
+          </a:blip>
+          <a:stretch>
+            <a:fillRect/>
+          </a:stretch>
+        </p:blipFill>
+        <p:spPr>
+          <a:xfrm>
+            <a:off x="-7134430" y="628651"/>
+            <a:ext cx="6660136" cy="5638800"/>
+          </a:xfrm>
+          <a:prstGeom prst="rect">
+            <a:avLst/>
+          </a:prstGeom>
+        </p:spPr>
+      </p:pic>
+      <p:sp>
+        <p:nvSpPr>
+          <p:cNvPr id="22" name="TextBox 21">
+            <a:extLst>
+              <a:ext uri="{FF2B5EF4-FFF2-40B4-BE49-F238E27FC236}">
+                <a16:creationId xmlns:a16="http://schemas.microsoft.com/office/drawing/2014/main" id="{5B21764B-E221-4EE0-97A0-25516B8D1664}"/>
+              </a:ext>
+            </a:extLst>
+          </p:cNvPr>
+          <p:cNvSpPr txBox="1"/>
+          <p:nvPr/>
+        </p:nvSpPr>
+        <p:spPr>
+          <a:xfrm>
+            <a:off x="-11814688" y="3094108"/>
+            <a:ext cx="4602542" cy="707886"/>
+          </a:xfrm>
+          <a:prstGeom prst="rect">
+            <a:avLst/>
+          </a:prstGeom>
+          <a:noFill/>
+        </p:spPr>
+        <p:txBody>
+          <a:bodyPr wrap="none" rtlCol="0">
+            <a:spAutoFit/>
+          </a:bodyPr>
+          <a:lstStyle/>
+          <a:p>
+            <a:r>
+              <a:rPr lang="en-US" sz="4000" b="1" dirty="0">
+                <a:solidFill>
+                  <a:srgbClr val="000000"/>
+                </a:solidFill>
+                <a:latin typeface="+mj-lt"/>
+              </a:rPr>
+              <a:t>Use-Case Diagram</a:t>
+            </a:r>
+          </a:p>
+        </p:txBody>
+      </p:sp>
+      <p:pic>
+        <p:nvPicPr>
+          <p:cNvPr id="4" name="Picture 3">
+            <a:extLst>
+              <a:ext uri="{FF2B5EF4-FFF2-40B4-BE49-F238E27FC236}">
+                <a16:creationId xmlns:a16="http://schemas.microsoft.com/office/drawing/2014/main" id="{5248223A-51F0-4F02-A229-92990ACD28C9}"/>
+              </a:ext>
+            </a:extLst>
+          </p:cNvPr>
+          <p:cNvPicPr>
+            <a:picLocks noChangeAspect="1"/>
+          </p:cNvPicPr>
+          <p:nvPr/>
+        </p:nvPicPr>
+        <p:blipFill>
+          <a:blip r:embed="rId3">
+            <a:extLst>
+              <a:ext uri="{28A0092B-C50C-407E-A947-70E740481C1C}">
+                <a14:useLocalDpi xmlns:a14="http://schemas.microsoft.com/office/drawing/2010/main" val="0"/>
+              </a:ext>
+            </a:extLst>
+          </a:blip>
+          <a:stretch>
+            <a:fillRect/>
+          </a:stretch>
+        </p:blipFill>
+        <p:spPr>
+          <a:xfrm>
+            <a:off x="4805526" y="1214387"/>
+            <a:ext cx="6795924" cy="5267428"/>
+          </a:xfrm>
+          <a:prstGeom prst="rect">
+            <a:avLst/>
+          </a:prstGeom>
+        </p:spPr>
+      </p:pic>
+      <p:pic>
+        <p:nvPicPr>
+          <p:cNvPr id="6" name="Picture 5">
+            <a:extLst>
+              <a:ext uri="{FF2B5EF4-FFF2-40B4-BE49-F238E27FC236}">
+                <a16:creationId xmlns:a16="http://schemas.microsoft.com/office/drawing/2014/main" id="{442B0E84-4201-4F34-BE71-DF89B701E545}"/>
+              </a:ext>
+            </a:extLst>
+          </p:cNvPr>
+          <p:cNvPicPr>
+            <a:picLocks noChangeAspect="1"/>
+          </p:cNvPicPr>
+          <p:nvPr/>
+        </p:nvPicPr>
+        <p:blipFill>
+          <a:blip r:embed="rId4">
+            <a:extLst>
+              <a:ext uri="{28A0092B-C50C-407E-A947-70E740481C1C}">
+                <a14:useLocalDpi xmlns:a14="http://schemas.microsoft.com/office/drawing/2010/main" val="0"/>
+              </a:ext>
+            </a:extLst>
+          </a:blip>
+          <a:stretch>
+            <a:fillRect/>
+          </a:stretch>
+        </p:blipFill>
+        <p:spPr>
+          <a:xfrm>
+            <a:off x="13307059" y="1214387"/>
+            <a:ext cx="8258344" cy="4886424"/>
+          </a:xfrm>
+          <a:prstGeom prst="rect">
+            <a:avLst/>
+          </a:prstGeom>
+        </p:spPr>
+      </p:pic>
+      <p:sp>
+        <p:nvSpPr>
+          <p:cNvPr id="10" name="TextBox 9">
+            <a:extLst>
+              <a:ext uri="{FF2B5EF4-FFF2-40B4-BE49-F238E27FC236}">
+                <a16:creationId xmlns:a16="http://schemas.microsoft.com/office/drawing/2014/main" id="{D2C5A519-5E2A-463A-82AA-FFE12C4AC8B9}"/>
+              </a:ext>
+            </a:extLst>
+          </p:cNvPr>
+          <p:cNvSpPr txBox="1"/>
+          <p:nvPr/>
+        </p:nvSpPr>
+        <p:spPr>
+          <a:xfrm>
+            <a:off x="3649657" y="255657"/>
+            <a:ext cx="4892686" cy="707886"/>
+          </a:xfrm>
+          <a:prstGeom prst="rect">
+            <a:avLst/>
+          </a:prstGeom>
+          <a:noFill/>
+        </p:spPr>
+        <p:txBody>
+          <a:bodyPr wrap="none" rtlCol="0">
+            <a:spAutoFit/>
+          </a:bodyPr>
+          <a:lstStyle/>
+          <a:p>
+            <a:r>
+              <a:rPr lang="en-US" sz="4000" b="1" dirty="0">
+                <a:solidFill>
+                  <a:srgbClr val="000000"/>
+                </a:solidFill>
+                <a:latin typeface="+mj-lt"/>
+              </a:rPr>
+              <a:t>Data Flow Diagram</a:t>
+            </a:r>
+          </a:p>
+        </p:txBody>
+      </p:sp>
+      <p:sp>
+        <p:nvSpPr>
+          <p:cNvPr id="11" name="TextBox 10">
+            <a:extLst>
+              <a:ext uri="{FF2B5EF4-FFF2-40B4-BE49-F238E27FC236}">
+                <a16:creationId xmlns:a16="http://schemas.microsoft.com/office/drawing/2014/main" id="{BE704498-2904-45D5-B36F-BA875A7A76F9}"/>
+              </a:ext>
+            </a:extLst>
+          </p:cNvPr>
+          <p:cNvSpPr txBox="1"/>
+          <p:nvPr/>
+        </p:nvSpPr>
+        <p:spPr>
+          <a:xfrm>
+            <a:off x="1347424" y="3365212"/>
+            <a:ext cx="2302233" cy="584775"/>
+          </a:xfrm>
+          <a:prstGeom prst="rect">
+            <a:avLst/>
+          </a:prstGeom>
+          <a:noFill/>
+        </p:spPr>
+        <p:txBody>
+          <a:bodyPr wrap="none" rtlCol="0">
+            <a:spAutoFit/>
+          </a:bodyPr>
+          <a:lstStyle/>
+          <a:p>
+            <a:r>
+              <a:rPr lang="en-US" sz="3200" b="1" dirty="0">
+                <a:solidFill>
+                  <a:srgbClr val="000000"/>
+                </a:solidFill>
+                <a:latin typeface="+mj-lt"/>
+              </a:rPr>
+              <a:t>For Patient</a:t>
+            </a:r>
+          </a:p>
+        </p:txBody>
+      </p:sp>
+      <p:sp>
+        <p:nvSpPr>
+          <p:cNvPr id="12" name="TextBox 11">
+            <a:extLst>
+              <a:ext uri="{FF2B5EF4-FFF2-40B4-BE49-F238E27FC236}">
+                <a16:creationId xmlns:a16="http://schemas.microsoft.com/office/drawing/2014/main" id="{916BBC30-28A0-4531-B99E-AB74AE714D6D}"/>
+              </a:ext>
+            </a:extLst>
+          </p:cNvPr>
+          <p:cNvSpPr txBox="1"/>
+          <p:nvPr/>
+        </p:nvSpPr>
+        <p:spPr>
+          <a:xfrm>
+            <a:off x="22716757" y="3365211"/>
+            <a:ext cx="2273379" cy="584775"/>
+          </a:xfrm>
+          <a:prstGeom prst="rect">
+            <a:avLst/>
+          </a:prstGeom>
+          <a:noFill/>
+        </p:spPr>
+        <p:txBody>
+          <a:bodyPr wrap="none" rtlCol="0">
+            <a:spAutoFit/>
+          </a:bodyPr>
+          <a:lstStyle/>
+          <a:p>
+            <a:r>
+              <a:rPr lang="en-US" sz="3200" b="1" dirty="0">
+                <a:solidFill>
+                  <a:srgbClr val="000000"/>
+                </a:solidFill>
+                <a:latin typeface="+mj-lt"/>
+              </a:rPr>
+              <a:t>For Doctor</a:t>
+            </a:r>
+          </a:p>
+        </p:txBody>
+      </p:sp>
+    </p:spTree>
+    <p:extLst>
+      <p:ext uri="{BB962C8B-B14F-4D97-AF65-F5344CB8AC3E}">
+        <p14:creationId xmlns:p14="http://schemas.microsoft.com/office/powerpoint/2010/main" val="1372407880"/>
+      </p:ext>
+    </p:extLst>
+  </p:cSld>
+  <p:clrMapOvr>
+    <a:masterClrMapping/>
+  </p:clrMapOvr>
+  <mc:AlternateContent xmlns:mc="http://schemas.openxmlformats.org/markup-compatibility/2006">
+    <mc:Choice xmlns:p159="http://schemas.microsoft.com/office/powerpoint/2015/09/main" Requires="p159">
+      <p:transition xmlns:p14="http://schemas.microsoft.com/office/powerpoint/2010/main" spd="slow" p14:dur="1500">
+        <p159:morph option="byObject"/>
+      </p:transition>
+    </mc:Choice>
+    <mc:Fallback>
+      <p:transition spd="slow">
+        <p:fade/>
+      </p:transition>
+    </mc:Fallback>
+  </mc:AlternateContent>
+</p:sld>
+</file>
+
+<file path=ppt/slides/slide43.xml><?xml version="1.0" encoding="utf-8"?>
+<p:sld xmlns:a="http://schemas.openxmlformats.org/drawingml/2006/main" xmlns:r="http://schemas.openxmlformats.org/officeDocument/2006/relationships" xmlns:p="http://schemas.openxmlformats.org/presentationml/2006/main">
+  <p:cSld>
+    <p:bg>
+      <p:bgPr>
+        <a:solidFill>
+          <a:srgbClr val="FFFFFF"/>
+        </a:solidFill>
+        <a:effectLst/>
+      </p:bgPr>
+    </p:bg>
+    <p:spTree>
+      <p:nvGrpSpPr>
+        <p:cNvPr id="1" name=""/>
+        <p:cNvGrpSpPr/>
+        <p:nvPr/>
+      </p:nvGrpSpPr>
+      <p:grpSpPr>
+        <a:xfrm>
+          <a:off x="0" y="0"/>
+          <a:ext cx="0" cy="0"/>
+          <a:chOff x="0" y="0"/>
+          <a:chExt cx="0" cy="0"/>
+        </a:xfrm>
+      </p:grpSpPr>
+      <p:pic>
+        <p:nvPicPr>
+          <p:cNvPr id="4" name="Picture 3">
+            <a:extLst>
+              <a:ext uri="{FF2B5EF4-FFF2-40B4-BE49-F238E27FC236}">
+                <a16:creationId xmlns:a16="http://schemas.microsoft.com/office/drawing/2014/main" id="{5248223A-51F0-4F02-A229-92990ACD28C9}"/>
+              </a:ext>
+            </a:extLst>
+          </p:cNvPr>
+          <p:cNvPicPr>
+            <a:picLocks noChangeAspect="1"/>
+          </p:cNvPicPr>
+          <p:nvPr/>
+        </p:nvPicPr>
+        <p:blipFill>
+          <a:blip r:embed="rId2">
+            <a:extLst>
+              <a:ext uri="{28A0092B-C50C-407E-A947-70E740481C1C}">
+                <a14:useLocalDpi xmlns:a14="http://schemas.microsoft.com/office/drawing/2010/main" val="0"/>
+              </a:ext>
+            </a:extLst>
+          </a:blip>
+          <a:stretch>
+            <a:fillRect/>
+          </a:stretch>
+        </p:blipFill>
+        <p:spPr>
+          <a:xfrm>
+            <a:off x="-8205624" y="1214387"/>
+            <a:ext cx="6795924" cy="5267428"/>
+          </a:xfrm>
+          <a:prstGeom prst="rect">
+            <a:avLst/>
+          </a:prstGeom>
+        </p:spPr>
+      </p:pic>
+      <p:pic>
+        <p:nvPicPr>
+          <p:cNvPr id="6" name="Picture 5">
+            <a:extLst>
+              <a:ext uri="{FF2B5EF4-FFF2-40B4-BE49-F238E27FC236}">
+                <a16:creationId xmlns:a16="http://schemas.microsoft.com/office/drawing/2014/main" id="{442B0E84-4201-4F34-BE71-DF89B701E545}"/>
+              </a:ext>
+            </a:extLst>
+          </p:cNvPr>
+          <p:cNvPicPr>
+            <a:picLocks noChangeAspect="1"/>
+          </p:cNvPicPr>
+          <p:nvPr/>
+        </p:nvPicPr>
+        <p:blipFill>
+          <a:blip r:embed="rId3">
+            <a:extLst>
+              <a:ext uri="{28A0092B-C50C-407E-A947-70E740481C1C}">
+                <a14:useLocalDpi xmlns:a14="http://schemas.microsoft.com/office/drawing/2010/main" val="0"/>
+              </a:ext>
+            </a:extLst>
+          </a:blip>
+          <a:stretch>
+            <a:fillRect/>
+          </a:stretch>
+        </p:blipFill>
+        <p:spPr>
+          <a:xfrm>
+            <a:off x="505459" y="1233437"/>
+            <a:ext cx="8258344" cy="4886424"/>
+          </a:xfrm>
+          <a:prstGeom prst="rect">
+            <a:avLst/>
+          </a:prstGeom>
+        </p:spPr>
+      </p:pic>
+      <p:sp>
+        <p:nvSpPr>
+          <p:cNvPr id="10" name="TextBox 9">
+            <a:extLst>
+              <a:ext uri="{FF2B5EF4-FFF2-40B4-BE49-F238E27FC236}">
+                <a16:creationId xmlns:a16="http://schemas.microsoft.com/office/drawing/2014/main" id="{D2C5A519-5E2A-463A-82AA-FFE12C4AC8B9}"/>
+              </a:ext>
+            </a:extLst>
+          </p:cNvPr>
+          <p:cNvSpPr txBox="1"/>
+          <p:nvPr/>
+        </p:nvSpPr>
+        <p:spPr>
+          <a:xfrm>
+            <a:off x="3649657" y="255657"/>
+            <a:ext cx="4892686" cy="707886"/>
+          </a:xfrm>
+          <a:prstGeom prst="rect">
+            <a:avLst/>
+          </a:prstGeom>
+          <a:noFill/>
+        </p:spPr>
+        <p:txBody>
+          <a:bodyPr wrap="none" rtlCol="0">
+            <a:spAutoFit/>
+          </a:bodyPr>
+          <a:lstStyle/>
+          <a:p>
+            <a:r>
+              <a:rPr lang="en-US" sz="4000" b="1" dirty="0">
+                <a:solidFill>
+                  <a:srgbClr val="000000"/>
+                </a:solidFill>
+                <a:latin typeface="+mj-lt"/>
+              </a:rPr>
+              <a:t>Data Flow Diagram</a:t>
+            </a:r>
+          </a:p>
+        </p:txBody>
+      </p:sp>
+      <p:sp>
+        <p:nvSpPr>
+          <p:cNvPr id="11" name="TextBox 10">
+            <a:extLst>
+              <a:ext uri="{FF2B5EF4-FFF2-40B4-BE49-F238E27FC236}">
+                <a16:creationId xmlns:a16="http://schemas.microsoft.com/office/drawing/2014/main" id="{BE704498-2904-45D5-B36F-BA875A7A76F9}"/>
+              </a:ext>
+            </a:extLst>
+          </p:cNvPr>
+          <p:cNvSpPr txBox="1"/>
+          <p:nvPr/>
+        </p:nvSpPr>
+        <p:spPr>
+          <a:xfrm>
+            <a:off x="-11663726" y="3365212"/>
+            <a:ext cx="2302233" cy="584775"/>
+          </a:xfrm>
+          <a:prstGeom prst="rect">
+            <a:avLst/>
+          </a:prstGeom>
+          <a:noFill/>
+        </p:spPr>
+        <p:txBody>
+          <a:bodyPr wrap="none" rtlCol="0">
+            <a:spAutoFit/>
+          </a:bodyPr>
+          <a:lstStyle/>
+          <a:p>
+            <a:r>
+              <a:rPr lang="en-US" sz="3200" b="1" dirty="0">
+                <a:solidFill>
+                  <a:srgbClr val="000000"/>
+                </a:solidFill>
+                <a:latin typeface="+mj-lt"/>
+              </a:rPr>
+              <a:t>For Patient</a:t>
+            </a:r>
+          </a:p>
+        </p:txBody>
+      </p:sp>
+      <p:sp>
+        <p:nvSpPr>
+          <p:cNvPr id="12" name="TextBox 11">
+            <a:extLst>
+              <a:ext uri="{FF2B5EF4-FFF2-40B4-BE49-F238E27FC236}">
+                <a16:creationId xmlns:a16="http://schemas.microsoft.com/office/drawing/2014/main" id="{916BBC30-28A0-4531-B99E-AB74AE714D6D}"/>
+              </a:ext>
+            </a:extLst>
+          </p:cNvPr>
+          <p:cNvSpPr txBox="1"/>
+          <p:nvPr/>
+        </p:nvSpPr>
+        <p:spPr>
+          <a:xfrm>
+            <a:off x="9343657" y="3365211"/>
+            <a:ext cx="2273379" cy="584775"/>
+          </a:xfrm>
+          <a:prstGeom prst="rect">
+            <a:avLst/>
+          </a:prstGeom>
+          <a:noFill/>
+        </p:spPr>
+        <p:txBody>
+          <a:bodyPr wrap="none" rtlCol="0">
+            <a:spAutoFit/>
+          </a:bodyPr>
+          <a:lstStyle/>
+          <a:p>
+            <a:r>
+              <a:rPr lang="en-US" sz="3200" b="1" dirty="0">
+                <a:solidFill>
+                  <a:srgbClr val="000000"/>
+                </a:solidFill>
+                <a:latin typeface="+mj-lt"/>
+              </a:rPr>
+              <a:t>For Doctor</a:t>
+            </a:r>
+          </a:p>
+        </p:txBody>
+      </p:sp>
+    </p:spTree>
+    <p:extLst>
+      <p:ext uri="{BB962C8B-B14F-4D97-AF65-F5344CB8AC3E}">
+        <p14:creationId xmlns:p14="http://schemas.microsoft.com/office/powerpoint/2010/main" val="4046787887"/>
+      </p:ext>
+    </p:extLst>
+  </p:cSld>
+  <p:clrMapOvr>
+    <a:masterClrMapping/>
+  </p:clrMapOvr>
+  <mc:AlternateContent xmlns:mc="http://schemas.openxmlformats.org/markup-compatibility/2006">
+    <mc:Choice xmlns:p159="http://schemas.microsoft.com/office/powerpoint/2015/09/main" Requires="p159">
+      <p:transition xmlns:p14="http://schemas.microsoft.com/office/powerpoint/2010/main" spd="slow" p14:dur="1500">
+        <p159:morph option="byObject"/>
+      </p:transition>
+    </mc:Choice>
+    <mc:Fallback>
+      <p:transition spd="slow">
+        <p:fade/>
+      </p:transition>
+    </mc:Fallback>
+  </mc:AlternateContent>
+</p:sld>
+</file>
+
+<file path=ppt/slides/slide44.xml><?xml version="1.0" encoding="utf-8"?>
 <p:sld xmlns:a="http://schemas.openxmlformats.org/drawingml/2006/main" xmlns:r="http://schemas.openxmlformats.org/officeDocument/2006/relationships" xmlns:p="http://schemas.openxmlformats.org/presentationml/2006/main">
   <p:cSld>
     <p:bg>
